--- a/Project template .pptx
+++ b/Project template .pptx
@@ -4554,10 +4554,10 @@
                 <a:latin typeface="Arial"/>
                 <a:cs typeface="Arial"/>
               </a:rPr>
-              <a:t>Student Name-S </a:t>
-            </a:r>
-            <a:r>
-              <a:rPr lang="en-US" sz="2000" b="1" smtClean="0">
+              <a:t>Student Name-JV </a:t>
+            </a:r>
+            <a:r>
+              <a:rPr lang="en-US" sz="2000" b="1" dirty="0" err="1" smtClean="0">
                 <a:solidFill>
                   <a:schemeClr val="accent1">
                     <a:lumMod val="75000"/>
@@ -4566,7 +4566,31 @@
                 <a:latin typeface="Arial"/>
                 <a:cs typeface="Arial"/>
               </a:rPr>
-              <a:t>Priya</a:t>
+              <a:t>Adlin</a:t>
+            </a:r>
+            <a:r>
+              <a:rPr lang="en-US" sz="2000" b="1" dirty="0" smtClean="0">
+                <a:solidFill>
+                  <a:schemeClr val="accent1">
+                    <a:lumMod val="75000"/>
+                  </a:schemeClr>
+                </a:solidFill>
+                <a:latin typeface="Arial"/>
+                <a:cs typeface="Arial"/>
+              </a:rPr>
+              <a:t> </a:t>
+            </a:r>
+            <a:r>
+              <a:rPr lang="en-US" sz="2000" b="1" smtClean="0">
+                <a:solidFill>
+                  <a:schemeClr val="accent1">
+                    <a:lumMod val="75000"/>
+                  </a:schemeClr>
+                </a:solidFill>
+                <a:latin typeface="Arial"/>
+                <a:cs typeface="Arial"/>
+              </a:rPr>
+              <a:t>Thirsha</a:t>
             </a:r>
             <a:endParaRPr lang="en-US" sz="2000" b="1" dirty="0" smtClean="0">
               <a:solidFill>
